--- a/The Generic Sensor API.pptx
+++ b/The Generic Sensor API.pptx
@@ -900,7 +900,7 @@
                 <a:cs typeface="Roboto"/>
                 <a:sym typeface="Roboto"/>
               </a:rPr>
-              <a:t>The Generic Sensor API is an interface created to promote consistency in exposing a device’s sensor data to the Web.</a:t>
+              <a:t>The Generic Sensor API is an interface specification made by the World Wide Web Consortium to promote consistency in exposing a device’s sensor data to the Web.</a:t>
             </a:r>
             <a:endParaRPr sz="1800">
               <a:solidFill>
@@ -1432,7 +1432,39 @@
             </a:pPr>
             <a:r>
               <a:rPr lang="en"/>
-              <a:t>Sensors pose a big risk as they provide high level information about a user’s habits.</a:t>
+              <a:t>Sensors pose a big risk as they provide high level information about a user’s habits, W3C has identified 3 key risks associated with Sensor Data.</a:t>
+            </a:r>
+            <a:endParaRPr/>
+          </a:p>
+          <a:p>
+            <a:pPr indent="0" lvl="0" marL="0" rtl="0" algn="l">
+              <a:spcBef>
+                <a:spcPts val="0"/>
+              </a:spcBef>
+              <a:spcAft>
+                <a:spcPts val="0"/>
+              </a:spcAft>
+              <a:buNone/>
+            </a:pPr>
+            <a:r>
+              <a:t/>
+            </a:r>
+            <a:endParaRPr/>
+          </a:p>
+          <a:p>
+            <a:pPr indent="-298450" lvl="0" marL="457200" rtl="0" algn="l">
+              <a:spcBef>
+                <a:spcPts val="0"/>
+              </a:spcBef>
+              <a:spcAft>
+                <a:spcPts val="0"/>
+              </a:spcAft>
+              <a:buSzPts val="1100"/>
+              <a:buAutoNum type="arabicPeriod"/>
+            </a:pPr>
+            <a:r>
+              <a:rPr lang="en"/>
+              <a:t>Malicious website can use sensor data from the Accelerometer and Magnetometer to detect a user’s location.</a:t>
             </a:r>
             <a:endParaRPr/>
           </a:p>
@@ -1463,77 +1495,7 @@
             </a:pPr>
             <a:r>
               <a:rPr lang="en"/>
-              <a:t>Location tracking can be performed using only a few sensors. A malicious website can use map-matching algorithms to infer the location of a smartphone using statistical models generated by data collected by the Accelerometer and Magnetometer.</a:t>
-            </a:r>
-            <a:endParaRPr/>
-          </a:p>
-          <a:p>
-            <a:pPr indent="0" lvl="0" marL="0" rtl="0" algn="l">
-              <a:spcBef>
-                <a:spcPts val="0"/>
-              </a:spcBef>
-              <a:spcAft>
-                <a:spcPts val="0"/>
-              </a:spcAft>
-              <a:buNone/>
-            </a:pPr>
-            <a:r>
-              <a:t/>
-            </a:r>
-            <a:endParaRPr/>
-          </a:p>
-          <a:p>
-            <a:pPr indent="0" lvl="0" marL="0" rtl="0" algn="l">
-              <a:spcBef>
-                <a:spcPts val="0"/>
-              </a:spcBef>
-              <a:spcAft>
-                <a:spcPts val="0"/>
-              </a:spcAft>
-              <a:buNone/>
-            </a:pPr>
-            <a:r>
-              <a:rPr lang="en"/>
-              <a:t>PINLogger.js was a study done which discovered that through use of the Gryscope and Accelerometer sensors they were able to guess a user’s pin numbers just based off the forces you apply when typing in your pin number. </a:t>
-            </a:r>
-            <a:endParaRPr/>
-          </a:p>
-          <a:p>
-            <a:pPr indent="0" lvl="0" marL="0" rtl="0" algn="l">
-              <a:spcBef>
-                <a:spcPts val="0"/>
-              </a:spcBef>
-              <a:spcAft>
-                <a:spcPts val="0"/>
-              </a:spcAft>
-              <a:buNone/>
-            </a:pPr>
-            <a:r>
-              <a:t/>
-            </a:r>
-            <a:endParaRPr/>
-          </a:p>
-          <a:p>
-            <a:pPr indent="0" lvl="0" marL="0" rtl="0" algn="l">
-              <a:spcBef>
-                <a:spcPts val="0"/>
-              </a:spcBef>
-              <a:spcAft>
-                <a:spcPts val="0"/>
-              </a:spcAft>
-              <a:buNone/>
-            </a:pPr>
-            <a:r>
-              <a:rPr lang="en"/>
-              <a:t>Websites can create fusion sensors that can aggregate data from multiple Environment sensors to identify you. Temperature, Barometer, and Magnetometer sensors can be enough to pinpoint your exact longitude and </a:t>
-            </a:r>
-            <a:r>
-              <a:rPr lang="en"/>
-              <a:t>latitude</a:t>
-            </a:r>
-            <a:r>
-              <a:rPr lang="en"/>
-              <a:t>.</a:t>
+              <a:t>2. Studies have been done which used data from the Gryscope and Accelerometer sensors to guess pin numbers and passwords based off the forces your phone feels when you type your password. </a:t>
             </a:r>
             <a:endParaRPr/>
           </a:p>
@@ -1647,7 +1609,7 @@
                 <a:cs typeface="Roboto"/>
                 <a:sym typeface="Roboto"/>
               </a:rPr>
-              <a:t>In order to mitigate some of the risk associated with exposing your devices sensor data to the web, W3C has imposed some restrictions to the data’s usage.</a:t>
+              <a:t>In order to mitigate some of the risk associated with exposing your devices sensor data to the web, W3C has imposed some restrictions on accessing sensor data.</a:t>
             </a:r>
             <a:endParaRPr sz="1350">
               <a:solidFill>
@@ -1688,7 +1650,145 @@
                 <a:cs typeface="Roboto"/>
                 <a:sym typeface="Roboto"/>
               </a:rPr>
-              <a:t>Limitations include requiring a user to be in a secure context before providing sensor data, requiring user’s focus on the window currently requesting access to a Sensor, additional permissions may be required when accessing sensor data.</a:t>
+              <a:t>Limitations include:</a:t>
+            </a:r>
+            <a:endParaRPr sz="1350">
+              <a:solidFill>
+                <a:srgbClr val="3A3A3A"/>
+              </a:solidFill>
+              <a:highlight>
+                <a:srgbClr val="FEFEFE"/>
+              </a:highlight>
+              <a:latin typeface="Roboto"/>
+              <a:ea typeface="Roboto"/>
+              <a:cs typeface="Roboto"/>
+              <a:sym typeface="Roboto"/>
+            </a:endParaRPr>
+          </a:p>
+          <a:p>
+            <a:pPr indent="-314325" lvl="0" marL="457200" rtl="0" algn="l">
+              <a:lnSpc>
+                <a:spcPct val="115000"/>
+              </a:lnSpc>
+              <a:spcBef>
+                <a:spcPts val="1600"/>
+              </a:spcBef>
+              <a:spcAft>
+                <a:spcPts val="0"/>
+              </a:spcAft>
+              <a:buClr>
+                <a:srgbClr val="3A3A3A"/>
+              </a:buClr>
+              <a:buSzPts val="1350"/>
+              <a:buFont typeface="Roboto"/>
+              <a:buAutoNum type="arabicPeriod"/>
+            </a:pPr>
+            <a:r>
+              <a:rPr lang="en" sz="1350">
+                <a:solidFill>
+                  <a:srgbClr val="3A3A3A"/>
+                </a:solidFill>
+                <a:highlight>
+                  <a:srgbClr val="FEFEFE"/>
+                </a:highlight>
+                <a:latin typeface="Roboto"/>
+                <a:ea typeface="Roboto"/>
+                <a:cs typeface="Roboto"/>
+                <a:sym typeface="Roboto"/>
+              </a:rPr>
+              <a:t>requiring a user to be in a secure context before providing sensor data,</a:t>
+            </a:r>
+            <a:endParaRPr sz="1350">
+              <a:solidFill>
+                <a:srgbClr val="3A3A3A"/>
+              </a:solidFill>
+              <a:highlight>
+                <a:srgbClr val="FEFEFE"/>
+              </a:highlight>
+              <a:latin typeface="Roboto"/>
+              <a:ea typeface="Roboto"/>
+              <a:cs typeface="Roboto"/>
+              <a:sym typeface="Roboto"/>
+            </a:endParaRPr>
+          </a:p>
+          <a:p>
+            <a:pPr indent="-314325" lvl="0" marL="457200" rtl="0" algn="l">
+              <a:lnSpc>
+                <a:spcPct val="115000"/>
+              </a:lnSpc>
+              <a:spcBef>
+                <a:spcPts val="0"/>
+              </a:spcBef>
+              <a:spcAft>
+                <a:spcPts val="0"/>
+              </a:spcAft>
+              <a:buClr>
+                <a:srgbClr val="3A3A3A"/>
+              </a:buClr>
+              <a:buSzPts val="1350"/>
+              <a:buFont typeface="Roboto"/>
+              <a:buAutoNum type="arabicPeriod"/>
+            </a:pPr>
+            <a:r>
+              <a:rPr lang="en" sz="1350">
+                <a:solidFill>
+                  <a:srgbClr val="3A3A3A"/>
+                </a:solidFill>
+                <a:highlight>
+                  <a:srgbClr val="FEFEFE"/>
+                </a:highlight>
+                <a:latin typeface="Roboto"/>
+                <a:ea typeface="Roboto"/>
+                <a:cs typeface="Roboto"/>
+                <a:sym typeface="Roboto"/>
+              </a:rPr>
+              <a:t>requiring user’s focus on the window currently requesting access to a Sensor, </a:t>
+            </a:r>
+            <a:endParaRPr sz="1350">
+              <a:solidFill>
+                <a:srgbClr val="3A3A3A"/>
+              </a:solidFill>
+              <a:highlight>
+                <a:srgbClr val="FEFEFE"/>
+              </a:highlight>
+              <a:latin typeface="Roboto"/>
+              <a:ea typeface="Roboto"/>
+              <a:cs typeface="Roboto"/>
+              <a:sym typeface="Roboto"/>
+            </a:endParaRPr>
+          </a:p>
+          <a:p>
+            <a:pPr indent="-314325" lvl="0" marL="457200" rtl="0" algn="l">
+              <a:lnSpc>
+                <a:spcPct val="115000"/>
+              </a:lnSpc>
+              <a:spcBef>
+                <a:spcPts val="0"/>
+              </a:spcBef>
+              <a:spcAft>
+                <a:spcPts val="0"/>
+              </a:spcAft>
+              <a:buClr>
+                <a:srgbClr val="3A3A3A"/>
+              </a:buClr>
+              <a:buSzPts val="1350"/>
+              <a:buFont typeface="Roboto"/>
+              <a:buAutoNum type="arabicPeriod"/>
+            </a:pPr>
+            <a:r>
+              <a:rPr lang="en" sz="1350">
+                <a:solidFill>
+                  <a:srgbClr val="3A3A3A"/>
+                </a:solidFill>
+                <a:highlight>
+                  <a:srgbClr val="FEFEFE"/>
+                </a:highlight>
+                <a:latin typeface="Roboto"/>
+                <a:ea typeface="Roboto"/>
+                <a:cs typeface="Roboto"/>
+                <a:sym typeface="Roboto"/>
+              </a:rPr>
+              <a:t>additional permissions may be required when accessing sensor data.</a:t>
             </a:r>
             <a:endParaRPr sz="1350">
               <a:solidFill>
@@ -1729,7 +1829,7 @@
                 <a:cs typeface="Roboto"/>
                 <a:sym typeface="Roboto"/>
               </a:rPr>
-              <a:t>It's also worth noting that this API has some known inconsistencies in several browsers and on a number of operating systems.</a:t>
+              <a:t>It's also worth noting that this API has some known inconsistencies in several browsers and on a number of operating systems. You may have already noticed this by comparing the demo on your phone to your neighbors’ demo. </a:t>
             </a:r>
             <a:endParaRPr sz="1800">
               <a:solidFill>
@@ -8172,7 +8272,7 @@
                   <a:srgbClr val="FEFEFE"/>
                 </a:highlight>
               </a:rPr>
-              <a:t>The Generic Sensor API is a standard built to promote consistency in exposing sensor data to the Web.</a:t>
+              <a:t>The Generic Sensor API is built to promote consistency in exposing sensor data to the Web.</a:t>
             </a:r>
             <a:endParaRPr>
               <a:solidFill>
@@ -8189,7 +8289,7 @@
                 <a:spcPts val="1600"/>
               </a:spcBef>
               <a:spcAft>
-                <a:spcPts val="1600"/>
+                <a:spcPts val="0"/>
               </a:spcAft>
               <a:buNone/>
             </a:pPr>
@@ -8202,7 +8302,37 @@
                   <a:srgbClr val="FEFEFE"/>
                 </a:highlight>
               </a:rPr>
-              <a:t>This API is a W3C Working Draft, which means the specification isn't stable and we may expect some changes in the future.</a:t>
+              <a:t>The API provides us with a consistent interface to access our devices’ sensors.</a:t>
+            </a:r>
+            <a:endParaRPr>
+              <a:solidFill>
+                <a:srgbClr val="3A3A3A"/>
+              </a:solidFill>
+              <a:highlight>
+                <a:srgbClr val="FEFEFE"/>
+              </a:highlight>
+            </a:endParaRPr>
+          </a:p>
+          <a:p>
+            <a:pPr indent="0" lvl="0" marL="0" rtl="0" algn="l">
+              <a:spcBef>
+                <a:spcPts val="1600"/>
+              </a:spcBef>
+              <a:spcAft>
+                <a:spcPts val="1600"/>
+              </a:spcAft>
+              <a:buNone/>
+            </a:pPr>
+            <a:r>
+              <a:rPr lang="en">
+                <a:solidFill>
+                  <a:srgbClr val="3A3A3A"/>
+                </a:solidFill>
+                <a:highlight>
+                  <a:srgbClr val="FEFEFE"/>
+                </a:highlight>
+              </a:rPr>
+              <a:t>This API is a W3C Working Draft, and is not 100% stable yet.</a:t>
             </a:r>
             <a:endParaRPr/>
           </a:p>
@@ -8473,7 +8603,7 @@
             <a:tbl>
               <a:tblPr>
                 <a:noFill/>
-                <a:tableStyleId>{8C9F643B-276F-4A12-BC1C-A3A2EEA59A9F}</a:tableStyleId>
+                <a:tableStyleId>{5875FD89-7228-4208-8D7D-DF9423B01F29}</a:tableStyleId>
               </a:tblPr>
               <a:tblGrid>
                 <a:gridCol w="1751375"/>
@@ -9237,22 +9367,22 @@
               <a:buNone/>
             </a:pPr>
             <a:r>
-              <a:rPr b="1" lang="en"/>
+              <a:rPr b="1" lang="en" sz="2400"/>
               <a:t>Location Tracking</a:t>
             </a:r>
             <a:r>
-              <a:rPr lang="en"/>
+              <a:rPr lang="en" sz="2400"/>
               <a:t> (Accelerometer, Magnetometer, </a:t>
             </a:r>
             <a:r>
-              <a:rPr lang="en"/>
+              <a:rPr lang="en" sz="2400"/>
               <a:t>Ambient Light Detector</a:t>
             </a:r>
             <a:r>
-              <a:rPr lang="en"/>
+              <a:rPr lang="en" sz="2400"/>
               <a:t>)</a:t>
             </a:r>
-            <a:endParaRPr/>
+            <a:endParaRPr sz="2400"/>
           </a:p>
           <a:p>
             <a:pPr indent="0" lvl="0" marL="0" rtl="0" algn="l">
@@ -9265,31 +9395,31 @@
               <a:buNone/>
             </a:pPr>
             <a:r>
-              <a:rPr b="1" lang="en"/>
+              <a:rPr b="1" lang="en" sz="2400"/>
               <a:t>Key Stroke Monitoring</a:t>
             </a:r>
             <a:r>
-              <a:rPr lang="en"/>
+              <a:rPr lang="en" sz="2400"/>
               <a:t> (Gyroscope, Accelerometer)</a:t>
             </a:r>
-            <a:endParaRPr/>
+            <a:endParaRPr sz="2400"/>
           </a:p>
           <a:p>
-            <a:pPr indent="-342900" lvl="0" marL="457200" rtl="0" algn="l">
-              <a:spcBef>
-                <a:spcPts val="0"/>
-              </a:spcBef>
-              <a:spcAft>
-                <a:spcPts val="0"/>
-              </a:spcAft>
-              <a:buSzPts val="1800"/>
+            <a:pPr indent="-381000" lvl="0" marL="457200" rtl="0" algn="l">
+              <a:spcBef>
+                <a:spcPts val="0"/>
+              </a:spcBef>
+              <a:spcAft>
+                <a:spcPts val="0"/>
+              </a:spcAft>
+              <a:buSzPts val="2400"/>
               <a:buChar char="-"/>
             </a:pPr>
             <a:r>
-              <a:rPr lang="en"/>
+              <a:rPr lang="en" sz="2400"/>
               <a:t>PINLogger.js</a:t>
             </a:r>
-            <a:endParaRPr/>
+            <a:endParaRPr sz="2400"/>
           </a:p>
           <a:p>
             <a:pPr indent="0" lvl="0" marL="0" rtl="0" algn="l">
@@ -9302,14 +9432,14 @@
               <a:buNone/>
             </a:pPr>
             <a:r>
-              <a:rPr b="1" lang="en"/>
+              <a:rPr b="1" lang="en" sz="2400"/>
               <a:t>Device Finger-Printing</a:t>
             </a:r>
             <a:r>
-              <a:rPr lang="en"/>
+              <a:rPr lang="en" sz="2400"/>
               <a:t> (Multiple Sensors). </a:t>
             </a:r>
-            <a:endParaRPr/>
+            <a:endParaRPr sz="2400"/>
           </a:p>
           <a:p>
             <a:pPr indent="0" lvl="0" marL="0" rtl="0" algn="l">
@@ -9324,7 +9454,7 @@
             <a:r>
               <a:t/>
             </a:r>
-            <a:endParaRPr/>
+            <a:endParaRPr sz="2400"/>
           </a:p>
         </p:txBody>
       </p:sp>
@@ -9602,40 +9732,6 @@
                   <a:srgbClr val="FEFEFE"/>
                 </a:highlight>
               </a:rPr>
-              <a:t>Require a user prompt requesting additional permissions.</a:t>
-            </a:r>
-            <a:endParaRPr>
-              <a:solidFill>
-                <a:srgbClr val="3A3A3A"/>
-              </a:solidFill>
-              <a:highlight>
-                <a:srgbClr val="FEFEFE"/>
-              </a:highlight>
-            </a:endParaRPr>
-          </a:p>
-          <a:p>
-            <a:pPr indent="-342900" lvl="0" marL="457200" rtl="0" algn="l">
-              <a:spcBef>
-                <a:spcPts val="0"/>
-              </a:spcBef>
-              <a:spcAft>
-                <a:spcPts val="0"/>
-              </a:spcAft>
-              <a:buClr>
-                <a:srgbClr val="3A3A3A"/>
-              </a:buClr>
-              <a:buSzPts val="1800"/>
-              <a:buChar char="-"/>
-            </a:pPr>
-            <a:r>
-              <a:rPr lang="en">
-                <a:solidFill>
-                  <a:srgbClr val="3A3A3A"/>
-                </a:solidFill>
-                <a:highlight>
-                  <a:srgbClr val="FEFEFE"/>
-                </a:highlight>
-              </a:rPr>
               <a:t>Not all browsers implement (Opera)</a:t>
             </a:r>
             <a:endParaRPr>
@@ -9666,7 +9762,7 @@
                   <a:srgbClr val="FEFEFE"/>
                 </a:highlight>
               </a:rPr>
-              <a:t>O.S. Inconsistencies: </a:t>
+              <a:t>Hardware/O.S. Inconsistencies: </a:t>
             </a:r>
             <a:endParaRPr>
               <a:solidFill>
@@ -9700,7 +9796,7 @@
                   <a:srgbClr val="FEFEFE"/>
                 </a:highlight>
               </a:rPr>
-              <a:t>Different environments may interpret sensor readings differently. (Inverted </a:t>
+              <a:t>Default Orientation may be different</a:t>
             </a:r>
             <a:r>
               <a:rPr lang="en">
@@ -9711,7 +9807,7 @@
                   <a:srgbClr val="FEFEFE"/>
                 </a:highlight>
               </a:rPr>
-              <a:t>Gyroscope Axis </a:t>
+              <a:t> </a:t>
             </a:r>
             <a:r>
               <a:rPr lang="en">
@@ -9722,7 +9818,7 @@
                   <a:srgbClr val="FEFEFE"/>
                 </a:highlight>
               </a:rPr>
-              <a:t>on some iPhones)</a:t>
+              <a:t>on some iPhones.</a:t>
             </a:r>
             <a:endParaRPr>
               <a:solidFill>
@@ -10121,6 +10217,285 @@
 </file>
 
 <file path=ppt/theme/theme1.xml><?xml version="1.0" encoding="utf-8"?>
+<a:theme xmlns:a="http://schemas.openxmlformats.org/drawingml/2006/main" xmlns:r="http://schemas.openxmlformats.org/officeDocument/2006/relationships" name="Material">
+  <a:themeElements>
+    <a:clrScheme name="Material">
+      <a:dk1>
+        <a:srgbClr val="4285F4"/>
+      </a:dk1>
+      <a:lt1>
+        <a:srgbClr val="FFFFFF"/>
+      </a:lt1>
+      <a:dk2>
+        <a:srgbClr val="424242"/>
+      </a:dk2>
+      <a:lt2>
+        <a:srgbClr val="737373"/>
+      </a:lt2>
+      <a:accent1>
+        <a:srgbClr val="0277BD"/>
+      </a:accent1>
+      <a:accent2>
+        <a:srgbClr val="0F9D58"/>
+      </a:accent2>
+      <a:accent3>
+        <a:srgbClr val="DB4437"/>
+      </a:accent3>
+      <a:accent4>
+        <a:srgbClr val="FAFAFA"/>
+      </a:accent4>
+      <a:accent5>
+        <a:srgbClr val="4FC3F7"/>
+      </a:accent5>
+      <a:accent6>
+        <a:srgbClr val="F4B400"/>
+      </a:accent6>
+      <a:hlink>
+        <a:srgbClr val="4FC3F7"/>
+      </a:hlink>
+      <a:folHlink>
+        <a:srgbClr val="4FC3F7"/>
+      </a:folHlink>
+    </a:clrScheme>
+    <a:fontScheme name="Office">
+      <a:majorFont>
+        <a:latin typeface="Arial"/>
+        <a:ea typeface=""/>
+        <a:cs typeface=""/>
+        <a:font script="Jpan" typeface="ＭＳ Ｐゴシック"/>
+        <a:font script="Hang" typeface="맑은 고딕"/>
+        <a:font script="Hans" typeface="宋体"/>
+        <a:font script="Hant" typeface="新細明體"/>
+        <a:font script="Arab" typeface="Times New Roman"/>
+        <a:font script="Hebr" typeface="Times New Roman"/>
+        <a:font script="Thai" typeface="Angsana New"/>
+        <a:font script="Ethi" typeface="Nyala"/>
+        <a:font script="Beng" typeface="Vrinda"/>
+        <a:font script="Gujr" typeface="Shruti"/>
+        <a:font script="Khmr" typeface="MoolBoran"/>
+        <a:font script="Knda" typeface="Tunga"/>
+        <a:font script="Guru" typeface="Raavi"/>
+        <a:font script="Cans" typeface="Euphemia"/>
+        <a:font script="Cher" typeface="Plantagenet Cherokee"/>
+        <a:font script="Yiii" typeface="Microsoft Yi Baiti"/>
+        <a:font script="Tibt" typeface="Microsoft Himalaya"/>
+        <a:font script="Thaa" typeface="MV Boli"/>
+        <a:font script="Deva" typeface="Mangal"/>
+        <a:font script="Telu" typeface="Gautami"/>
+        <a:font script="Taml" typeface="Latha"/>
+        <a:font script="Syrc" typeface="Estrangelo Edessa"/>
+        <a:font script="Orya" typeface="Kalinga"/>
+        <a:font script="Mlym" typeface="Kartika"/>
+        <a:font script="Laoo" typeface="DokChampa"/>
+        <a:font script="Sinh" typeface="Iskoola Pota"/>
+        <a:font script="Mong" typeface="Mongolian Baiti"/>
+        <a:font script="Viet" typeface="Times New Roman"/>
+        <a:font script="Uigh" typeface="Microsoft Uighur"/>
+        <a:font script="Geor" typeface="Sylfaen"/>
+      </a:majorFont>
+      <a:minorFont>
+        <a:latin typeface="Arial"/>
+        <a:ea typeface=""/>
+        <a:cs typeface=""/>
+        <a:font script="Jpan" typeface="ＭＳ Ｐゴシック"/>
+        <a:font script="Hang" typeface="맑은 고딕"/>
+        <a:font script="Hans" typeface="宋体"/>
+        <a:font script="Hant" typeface="新細明體"/>
+        <a:font script="Arab" typeface="Arial"/>
+        <a:font script="Hebr" typeface="Arial"/>
+        <a:font script="Thai" typeface="Cordia New"/>
+        <a:font script="Ethi" typeface="Nyala"/>
+        <a:font script="Beng" typeface="Vrinda"/>
+        <a:font script="Gujr" typeface="Shruti"/>
+        <a:font script="Khmr" typeface="DaunPenh"/>
+        <a:font script="Knda" typeface="Tunga"/>
+        <a:font script="Guru" typeface="Raavi"/>
+        <a:font script="Cans" typeface="Euphemia"/>
+        <a:font script="Cher" typeface="Plantagenet Cherokee"/>
+        <a:font script="Yiii" typeface="Microsoft Yi Baiti"/>
+        <a:font script="Tibt" typeface="Microsoft Himalaya"/>
+        <a:font script="Thaa" typeface="MV Boli"/>
+        <a:font script="Deva" typeface="Mangal"/>
+        <a:font script="Telu" typeface="Gautami"/>
+        <a:font script="Taml" typeface="Latha"/>
+        <a:font script="Syrc" typeface="Estrangelo Edessa"/>
+        <a:font script="Orya" typeface="Kalinga"/>
+        <a:font script="Mlym" typeface="Kartika"/>
+        <a:font script="Laoo" typeface="DokChampa"/>
+        <a:font script="Sinh" typeface="Iskoola Pota"/>
+        <a:font script="Mong" typeface="Mongolian Baiti"/>
+        <a:font script="Viet" typeface="Arial"/>
+        <a:font script="Uigh" typeface="Microsoft Uighur"/>
+        <a:font script="Geor" typeface="Sylfaen"/>
+      </a:minorFont>
+    </a:fontScheme>
+    <a:fmtScheme name="Office">
+      <a:fillStyleLst>
+        <a:solidFill>
+          <a:schemeClr val="phClr"/>
+        </a:solidFill>
+        <a:gradFill rotWithShape="1">
+          <a:gsLst>
+            <a:gs pos="0">
+              <a:schemeClr val="phClr">
+                <a:tint val="50000"/>
+                <a:satMod val="300000"/>
+              </a:schemeClr>
+            </a:gs>
+            <a:gs pos="35000">
+              <a:schemeClr val="phClr">
+                <a:tint val="37000"/>
+                <a:satMod val="300000"/>
+              </a:schemeClr>
+            </a:gs>
+            <a:gs pos="100000">
+              <a:schemeClr val="phClr">
+                <a:tint val="15000"/>
+                <a:satMod val="350000"/>
+              </a:schemeClr>
+            </a:gs>
+          </a:gsLst>
+          <a:lin ang="16200000" scaled="1"/>
+        </a:gradFill>
+        <a:gradFill rotWithShape="1">
+          <a:gsLst>
+            <a:gs pos="0">
+              <a:schemeClr val="phClr">
+                <a:tint val="100000"/>
+                <a:shade val="100000"/>
+                <a:satMod val="130000"/>
+              </a:schemeClr>
+            </a:gs>
+            <a:gs pos="100000">
+              <a:schemeClr val="phClr">
+                <a:tint val="50000"/>
+                <a:shade val="100000"/>
+                <a:satMod val="350000"/>
+              </a:schemeClr>
+            </a:gs>
+          </a:gsLst>
+          <a:lin ang="16200000" scaled="0"/>
+        </a:gradFill>
+      </a:fillStyleLst>
+      <a:lnStyleLst>
+        <a:ln w="9525" cap="flat" cmpd="sng" algn="ctr">
+          <a:solidFill>
+            <a:schemeClr val="phClr">
+              <a:shade val="95000"/>
+              <a:satMod val="105000"/>
+            </a:schemeClr>
+          </a:solidFill>
+          <a:prstDash val="solid"/>
+        </a:ln>
+        <a:ln w="25400" cap="flat" cmpd="sng" algn="ctr">
+          <a:solidFill>
+            <a:schemeClr val="phClr"/>
+          </a:solidFill>
+          <a:prstDash val="solid"/>
+        </a:ln>
+        <a:ln w="38100" cap="flat" cmpd="sng" algn="ctr">
+          <a:solidFill>
+            <a:schemeClr val="phClr"/>
+          </a:solidFill>
+          <a:prstDash val="solid"/>
+        </a:ln>
+      </a:lnStyleLst>
+      <a:effectStyleLst>
+        <a:effectStyle>
+          <a:effectLst>
+            <a:outerShdw blurRad="40000" dist="20000" dir="5400000" rotWithShape="0">
+              <a:srgbClr val="000000">
+                <a:alpha val="38000"/>
+              </a:srgbClr>
+            </a:outerShdw>
+          </a:effectLst>
+        </a:effectStyle>
+        <a:effectStyle>
+          <a:effectLst>
+            <a:outerShdw blurRad="40000" dist="23000" dir="5400000" rotWithShape="0">
+              <a:srgbClr val="000000">
+                <a:alpha val="35000"/>
+              </a:srgbClr>
+            </a:outerShdw>
+          </a:effectLst>
+        </a:effectStyle>
+        <a:effectStyle>
+          <a:effectLst>
+            <a:outerShdw blurRad="40000" dist="23000" dir="5400000" rotWithShape="0">
+              <a:srgbClr val="000000">
+                <a:alpha val="35000"/>
+              </a:srgbClr>
+            </a:outerShdw>
+          </a:effectLst>
+          <a:scene3d>
+            <a:camera prst="orthographicFront">
+              <a:rot lat="0" lon="0" rev="0"/>
+            </a:camera>
+            <a:lightRig rig="threePt" dir="t">
+              <a:rot lat="0" lon="0" rev="1200000"/>
+            </a:lightRig>
+          </a:scene3d>
+          <a:sp3d>
+            <a:bevelT w="63500" h="25400"/>
+          </a:sp3d>
+        </a:effectStyle>
+      </a:effectStyleLst>
+      <a:bgFillStyleLst>
+        <a:solidFill>
+          <a:schemeClr val="phClr"/>
+        </a:solidFill>
+        <a:gradFill rotWithShape="1">
+          <a:gsLst>
+            <a:gs pos="0">
+              <a:schemeClr val="phClr">
+                <a:tint val="40000"/>
+                <a:satMod val="350000"/>
+              </a:schemeClr>
+            </a:gs>
+            <a:gs pos="40000">
+              <a:schemeClr val="phClr">
+                <a:tint val="45000"/>
+                <a:shade val="99000"/>
+                <a:satMod val="350000"/>
+              </a:schemeClr>
+            </a:gs>
+            <a:gs pos="100000">
+              <a:schemeClr val="phClr">
+                <a:shade val="20000"/>
+                <a:satMod val="255000"/>
+              </a:schemeClr>
+            </a:gs>
+          </a:gsLst>
+          <a:path path="circle">
+            <a:fillToRect l="50000" t="-80000" r="50000" b="180000"/>
+          </a:path>
+        </a:gradFill>
+        <a:gradFill rotWithShape="1">
+          <a:gsLst>
+            <a:gs pos="0">
+              <a:schemeClr val="phClr">
+                <a:tint val="80000"/>
+                <a:satMod val="300000"/>
+              </a:schemeClr>
+            </a:gs>
+            <a:gs pos="100000">
+              <a:schemeClr val="phClr">
+                <a:shade val="30000"/>
+                <a:satMod val="200000"/>
+              </a:schemeClr>
+            </a:gs>
+          </a:gsLst>
+          <a:path path="circle">
+            <a:fillToRect l="50000" t="50000" r="50000" b="50000"/>
+          </a:path>
+        </a:gradFill>
+      </a:bgFillStyleLst>
+    </a:fmtScheme>
+  </a:themeElements>
+</a:theme>
+</file>
+
+<file path=ppt/theme/theme2.xml><?xml version="1.0" encoding="utf-8"?>
 <a:theme xmlns:a="http://schemas.openxmlformats.org/drawingml/2006/main" xmlns:r="http://schemas.openxmlformats.org/officeDocument/2006/relationships">
   <a:themeElements>
     <a:clrScheme name="Default">
@@ -10397,283 +10772,4 @@
     </a:fmtScheme>
   </a:themeElements>
 </a:theme>
-</file>
-
-<file path=ppt/theme/theme2.xml><?xml version="1.0" encoding="utf-8"?>
-<a:theme xmlns:a="http://schemas.openxmlformats.org/drawingml/2006/main" xmlns:r="http://schemas.openxmlformats.org/officeDocument/2006/relationships" name="Material">
-  <a:themeElements>
-    <a:clrScheme name="Material">
-      <a:dk1>
-        <a:srgbClr val="4285F4"/>
-      </a:dk1>
-      <a:lt1>
-        <a:srgbClr val="FFFFFF"/>
-      </a:lt1>
-      <a:dk2>
-        <a:srgbClr val="424242"/>
-      </a:dk2>
-      <a:lt2>
-        <a:srgbClr val="737373"/>
-      </a:lt2>
-      <a:accent1>
-        <a:srgbClr val="0277BD"/>
-      </a:accent1>
-      <a:accent2>
-        <a:srgbClr val="0F9D58"/>
-      </a:accent2>
-      <a:accent3>
-        <a:srgbClr val="DB4437"/>
-      </a:accent3>
-      <a:accent4>
-        <a:srgbClr val="FAFAFA"/>
-      </a:accent4>
-      <a:accent5>
-        <a:srgbClr val="4FC3F7"/>
-      </a:accent5>
-      <a:accent6>
-        <a:srgbClr val="F4B400"/>
-      </a:accent6>
-      <a:hlink>
-        <a:srgbClr val="4FC3F7"/>
-      </a:hlink>
-      <a:folHlink>
-        <a:srgbClr val="4FC3F7"/>
-      </a:folHlink>
-    </a:clrScheme>
-    <a:fontScheme name="Office">
-      <a:majorFont>
-        <a:latin typeface="Arial"/>
-        <a:ea typeface=""/>
-        <a:cs typeface=""/>
-        <a:font script="Jpan" typeface="ＭＳ Ｐゴシック"/>
-        <a:font script="Hang" typeface="맑은 고딕"/>
-        <a:font script="Hans" typeface="宋体"/>
-        <a:font script="Hant" typeface="新細明體"/>
-        <a:font script="Arab" typeface="Times New Roman"/>
-        <a:font script="Hebr" typeface="Times New Roman"/>
-        <a:font script="Thai" typeface="Angsana New"/>
-        <a:font script="Ethi" typeface="Nyala"/>
-        <a:font script="Beng" typeface="Vrinda"/>
-        <a:font script="Gujr" typeface="Shruti"/>
-        <a:font script="Khmr" typeface="MoolBoran"/>
-        <a:font script="Knda" typeface="Tunga"/>
-        <a:font script="Guru" typeface="Raavi"/>
-        <a:font script="Cans" typeface="Euphemia"/>
-        <a:font script="Cher" typeface="Plantagenet Cherokee"/>
-        <a:font script="Yiii" typeface="Microsoft Yi Baiti"/>
-        <a:font script="Tibt" typeface="Microsoft Himalaya"/>
-        <a:font script="Thaa" typeface="MV Boli"/>
-        <a:font script="Deva" typeface="Mangal"/>
-        <a:font script="Telu" typeface="Gautami"/>
-        <a:font script="Taml" typeface="Latha"/>
-        <a:font script="Syrc" typeface="Estrangelo Edessa"/>
-        <a:font script="Orya" typeface="Kalinga"/>
-        <a:font script="Mlym" typeface="Kartika"/>
-        <a:font script="Laoo" typeface="DokChampa"/>
-        <a:font script="Sinh" typeface="Iskoola Pota"/>
-        <a:font script="Mong" typeface="Mongolian Baiti"/>
-        <a:font script="Viet" typeface="Times New Roman"/>
-        <a:font script="Uigh" typeface="Microsoft Uighur"/>
-        <a:font script="Geor" typeface="Sylfaen"/>
-      </a:majorFont>
-      <a:minorFont>
-        <a:latin typeface="Arial"/>
-        <a:ea typeface=""/>
-        <a:cs typeface=""/>
-        <a:font script="Jpan" typeface="ＭＳ Ｐゴシック"/>
-        <a:font script="Hang" typeface="맑은 고딕"/>
-        <a:font script="Hans" typeface="宋体"/>
-        <a:font script="Hant" typeface="新細明體"/>
-        <a:font script="Arab" typeface="Arial"/>
-        <a:font script="Hebr" typeface="Arial"/>
-        <a:font script="Thai" typeface="Cordia New"/>
-        <a:font script="Ethi" typeface="Nyala"/>
-        <a:font script="Beng" typeface="Vrinda"/>
-        <a:font script="Gujr" typeface="Shruti"/>
-        <a:font script="Khmr" typeface="DaunPenh"/>
-        <a:font script="Knda" typeface="Tunga"/>
-        <a:font script="Guru" typeface="Raavi"/>
-        <a:font script="Cans" typeface="Euphemia"/>
-        <a:font script="Cher" typeface="Plantagenet Cherokee"/>
-        <a:font script="Yiii" typeface="Microsoft Yi Baiti"/>
-        <a:font script="Tibt" typeface="Microsoft Himalaya"/>
-        <a:font script="Thaa" typeface="MV Boli"/>
-        <a:font script="Deva" typeface="Mangal"/>
-        <a:font script="Telu" typeface="Gautami"/>
-        <a:font script="Taml" typeface="Latha"/>
-        <a:font script="Syrc" typeface="Estrangelo Edessa"/>
-        <a:font script="Orya" typeface="Kalinga"/>
-        <a:font script="Mlym" typeface="Kartika"/>
-        <a:font script="Laoo" typeface="DokChampa"/>
-        <a:font script="Sinh" typeface="Iskoola Pota"/>
-        <a:font script="Mong" typeface="Mongolian Baiti"/>
-        <a:font script="Viet" typeface="Arial"/>
-        <a:font script="Uigh" typeface="Microsoft Uighur"/>
-        <a:font script="Geor" typeface="Sylfaen"/>
-      </a:minorFont>
-    </a:fontScheme>
-    <a:fmtScheme name="Office">
-      <a:fillStyleLst>
-        <a:solidFill>
-          <a:schemeClr val="phClr"/>
-        </a:solidFill>
-        <a:gradFill rotWithShape="1">
-          <a:gsLst>
-            <a:gs pos="0">
-              <a:schemeClr val="phClr">
-                <a:tint val="50000"/>
-                <a:satMod val="300000"/>
-              </a:schemeClr>
-            </a:gs>
-            <a:gs pos="35000">
-              <a:schemeClr val="phClr">
-                <a:tint val="37000"/>
-                <a:satMod val="300000"/>
-              </a:schemeClr>
-            </a:gs>
-            <a:gs pos="100000">
-              <a:schemeClr val="phClr">
-                <a:tint val="15000"/>
-                <a:satMod val="350000"/>
-              </a:schemeClr>
-            </a:gs>
-          </a:gsLst>
-          <a:lin ang="16200000" scaled="1"/>
-        </a:gradFill>
-        <a:gradFill rotWithShape="1">
-          <a:gsLst>
-            <a:gs pos="0">
-              <a:schemeClr val="phClr">
-                <a:tint val="100000"/>
-                <a:shade val="100000"/>
-                <a:satMod val="130000"/>
-              </a:schemeClr>
-            </a:gs>
-            <a:gs pos="100000">
-              <a:schemeClr val="phClr">
-                <a:tint val="50000"/>
-                <a:shade val="100000"/>
-                <a:satMod val="350000"/>
-              </a:schemeClr>
-            </a:gs>
-          </a:gsLst>
-          <a:lin ang="16200000" scaled="0"/>
-        </a:gradFill>
-      </a:fillStyleLst>
-      <a:lnStyleLst>
-        <a:ln w="9525" cap="flat" cmpd="sng" algn="ctr">
-          <a:solidFill>
-            <a:schemeClr val="phClr">
-              <a:shade val="95000"/>
-              <a:satMod val="105000"/>
-            </a:schemeClr>
-          </a:solidFill>
-          <a:prstDash val="solid"/>
-        </a:ln>
-        <a:ln w="25400" cap="flat" cmpd="sng" algn="ctr">
-          <a:solidFill>
-            <a:schemeClr val="phClr"/>
-          </a:solidFill>
-          <a:prstDash val="solid"/>
-        </a:ln>
-        <a:ln w="38100" cap="flat" cmpd="sng" algn="ctr">
-          <a:solidFill>
-            <a:schemeClr val="phClr"/>
-          </a:solidFill>
-          <a:prstDash val="solid"/>
-        </a:ln>
-      </a:lnStyleLst>
-      <a:effectStyleLst>
-        <a:effectStyle>
-          <a:effectLst>
-            <a:outerShdw blurRad="40000" dist="20000" dir="5400000" rotWithShape="0">
-              <a:srgbClr val="000000">
-                <a:alpha val="38000"/>
-              </a:srgbClr>
-            </a:outerShdw>
-          </a:effectLst>
-        </a:effectStyle>
-        <a:effectStyle>
-          <a:effectLst>
-            <a:outerShdw blurRad="40000" dist="23000" dir="5400000" rotWithShape="0">
-              <a:srgbClr val="000000">
-                <a:alpha val="35000"/>
-              </a:srgbClr>
-            </a:outerShdw>
-          </a:effectLst>
-        </a:effectStyle>
-        <a:effectStyle>
-          <a:effectLst>
-            <a:outerShdw blurRad="40000" dist="23000" dir="5400000" rotWithShape="0">
-              <a:srgbClr val="000000">
-                <a:alpha val="35000"/>
-              </a:srgbClr>
-            </a:outerShdw>
-          </a:effectLst>
-          <a:scene3d>
-            <a:camera prst="orthographicFront">
-              <a:rot lat="0" lon="0" rev="0"/>
-            </a:camera>
-            <a:lightRig rig="threePt" dir="t">
-              <a:rot lat="0" lon="0" rev="1200000"/>
-            </a:lightRig>
-          </a:scene3d>
-          <a:sp3d>
-            <a:bevelT w="63500" h="25400"/>
-          </a:sp3d>
-        </a:effectStyle>
-      </a:effectStyleLst>
-      <a:bgFillStyleLst>
-        <a:solidFill>
-          <a:schemeClr val="phClr"/>
-        </a:solidFill>
-        <a:gradFill rotWithShape="1">
-          <a:gsLst>
-            <a:gs pos="0">
-              <a:schemeClr val="phClr">
-                <a:tint val="40000"/>
-                <a:satMod val="350000"/>
-              </a:schemeClr>
-            </a:gs>
-            <a:gs pos="40000">
-              <a:schemeClr val="phClr">
-                <a:tint val="45000"/>
-                <a:shade val="99000"/>
-                <a:satMod val="350000"/>
-              </a:schemeClr>
-            </a:gs>
-            <a:gs pos="100000">
-              <a:schemeClr val="phClr">
-                <a:shade val="20000"/>
-                <a:satMod val="255000"/>
-              </a:schemeClr>
-            </a:gs>
-          </a:gsLst>
-          <a:path path="circle">
-            <a:fillToRect l="50000" t="-80000" r="50000" b="180000"/>
-          </a:path>
-        </a:gradFill>
-        <a:gradFill rotWithShape="1">
-          <a:gsLst>
-            <a:gs pos="0">
-              <a:schemeClr val="phClr">
-                <a:tint val="80000"/>
-                <a:satMod val="300000"/>
-              </a:schemeClr>
-            </a:gs>
-            <a:gs pos="100000">
-              <a:schemeClr val="phClr">
-                <a:shade val="30000"/>
-                <a:satMod val="200000"/>
-              </a:schemeClr>
-            </a:gs>
-          </a:gsLst>
-          <a:path path="circle">
-            <a:fillToRect l="50000" t="50000" r="50000" b="50000"/>
-          </a:path>
-        </a:gradFill>
-      </a:bgFillStyleLst>
-    </a:fmtScheme>
-  </a:themeElements>
-</a:theme>
 </file>